--- a/CS221_Poster.pptx
+++ b/CS221_Poster.pptx
@@ -4015,7 +4015,7 @@
                 <a:ea typeface="Helvetica" charset="0"/>
                 <a:cs typeface="Helvetica" charset="0"/>
               </a:rPr>
-              <a:t>Naively take all words in a sentence containing “symptom” as symptoms</a:t>
+              <a:t>Naively take all words in a sentence containing “symptom” </a:t>
             </a:r>
           </a:p>
           <a:p>
@@ -4045,7 +4045,7 @@
                 <a:ea typeface="Helvetica" charset="0"/>
                 <a:cs typeface="Helvetica" charset="0"/>
               </a:rPr>
-              <a:t>Manually built patterns to extract symptoms from text</a:t>
+              <a:t>Use manually built patterns to extract symptoms</a:t>
             </a:r>
           </a:p>
           <a:p>
@@ -4148,23 +4148,8 @@
                 </a:solidFill>
                 <a:latin typeface="Helvetica" pitchFamily="2" charset="0"/>
               </a:rPr>
-              <a:t>Match symptoms based on </a:t>
-            </a:r>
-            <a:r>
-              <a:rPr lang="en-US" sz="1800">
-                <a:solidFill>
-                  <a:schemeClr val="tx1"/>
-                </a:solidFill>
-                <a:latin typeface="Helvetica" pitchFamily="2" charset="0"/>
-              </a:rPr>
-              <a:t>partial string matches</a:t>
-            </a:r>
-            <a:endParaRPr lang="en-US" sz="1800" dirty="0">
-              <a:solidFill>
-                <a:schemeClr val="tx1"/>
-              </a:solidFill>
-              <a:latin typeface="Helvetica" pitchFamily="2" charset="0"/>
-            </a:endParaRPr>
+              <a:t>Match symptoms based on partial string matches</a:t>
+            </a:r>
           </a:p>
           <a:p>
             <a:r>
@@ -4300,8 +4285,8 @@
         </p:nvSpPr>
         <p:spPr>
           <a:xfrm>
-            <a:off x="8686800" y="4545623"/>
-            <a:ext cx="10058401" cy="13279707"/>
+            <a:off x="8686800" y="4366544"/>
+            <a:ext cx="10058401" cy="13438533"/>
           </a:xfrm>
           <a:prstGeom prst="roundRect">
             <a:avLst>
@@ -4312,7 +4297,9 @@
             <a:schemeClr val="bg1"/>
           </a:solidFill>
           <a:ln>
-            <a:noFill/>
+            <a:solidFill>
+              <a:srgbClr val="C00000"/>
+            </a:solidFill>
           </a:ln>
         </p:spPr>
         <p:style>
@@ -4556,8 +4543,8 @@
         </p:nvSpPr>
         <p:spPr>
           <a:xfrm>
-            <a:off x="19785400" y="16383098"/>
-            <a:ext cx="7241789" cy="1584028"/>
+            <a:off x="19785400" y="16363593"/>
+            <a:ext cx="7241789" cy="1441483"/>
           </a:xfrm>
           <a:prstGeom prst="roundRect">
             <a:avLst>
@@ -4953,7 +4940,7 @@
         <p:spPr>
           <a:xfrm>
             <a:off x="752581" y="4814627"/>
-            <a:ext cx="6405512" cy="3231654"/>
+            <a:ext cx="6405512" cy="2954655"/>
           </a:xfrm>
           <a:prstGeom prst="rect">
             <a:avLst/>
@@ -4993,7 +4980,7 @@
               <a:rPr lang="en-US" sz="1800" dirty="0">
                 <a:latin typeface="Helvetica" pitchFamily="2" charset="0"/>
               </a:rPr>
-              <a:t>In recent years, demand for medical care has risen significantly, likely caused by an increasing life expectancy.</a:t>
+              <a:t>Increased life expectancy has create a surge in demand for healthcare professionals.</a:t>
             </a:r>
           </a:p>
           <a:p>
@@ -5017,64 +5004,8 @@
               <a:rPr lang="en-US" sz="1800" dirty="0">
                 <a:latin typeface="Helvetica" pitchFamily="2" charset="0"/>
               </a:rPr>
-              <a:t>With a limited number of specialized doctors and the presence of large amounts of medical information, it would be beneficial to develop a system that can first quickly understand the text, and then use the knowledge to make diagnosis of patients given their symptoms.</a:t>
-            </a:r>
-          </a:p>
-        </p:txBody>
-      </p:sp>
-      <p:sp>
-        <p:nvSpPr>
-          <p:cNvPr id="1024" name="TextBox 1023"/>
-          <p:cNvSpPr txBox="1"/>
-          <p:nvPr/>
-        </p:nvSpPr>
-        <p:spPr>
-          <a:xfrm>
-            <a:off x="19877797" y="11121124"/>
-            <a:ext cx="6988238" cy="1046440"/>
-          </a:xfrm>
-          <a:prstGeom prst="rect">
-            <a:avLst/>
-          </a:prstGeom>
-          <a:noFill/>
-        </p:spPr>
-        <p:txBody>
-          <a:bodyPr wrap="square" rtlCol="0">
-            <a:spAutoFit/>
-          </a:bodyPr>
-          <a:lstStyle/>
-          <a:p>
-            <a:pPr algn="just"/>
-            <a:r>
-              <a:rPr lang="en-US" sz="2400" b="1" dirty="0">
-                <a:latin typeface="Helvetica" charset="0"/>
-                <a:ea typeface="Helvetica" charset="0"/>
-                <a:cs typeface="Helvetica" charset="0"/>
-              </a:rPr>
-              <a:t>Moving Forward</a:t>
-            </a:r>
-          </a:p>
-          <a:p>
-            <a:pPr marL="342900" indent="-342900" algn="just">
-              <a:buFont typeface="Arial" charset="0"/>
-              <a:buChar char="•"/>
-            </a:pPr>
-            <a:r>
-              <a:rPr lang="en-US" sz="2000" dirty="0">
-                <a:latin typeface="Helvetica" charset="0"/>
-                <a:ea typeface="Helvetica" charset="0"/>
-                <a:cs typeface="Helvetica" charset="0"/>
-              </a:rPr>
-              <a:t>Word embeddings, Deep Learning? </a:t>
-            </a:r>
-          </a:p>
-          <a:p>
-            <a:pPr algn="just"/>
-            <a:endParaRPr lang="en-US" sz="1800" dirty="0">
-              <a:latin typeface="Helvetica" charset="0"/>
-              <a:ea typeface="Helvetica" charset="0"/>
-              <a:cs typeface="Helvetica" charset="0"/>
-            </a:endParaRPr>
+              <a:t>With a limited number of specialized doctors and the presence of large amounts of medical information, it would be beneficial to develop a system that can first quickly understand text, and then use the knowledge to make diagnosis of patients given their symptoms.</a:t>
+            </a:r>
           </a:p>
         </p:txBody>
       </p:sp>
@@ -5156,8 +5087,8 @@
         </p:nvSpPr>
         <p:spPr>
           <a:xfrm>
-            <a:off x="8909089" y="4763504"/>
-            <a:ext cx="9631437" cy="9079409"/>
+            <a:off x="8891405" y="4523839"/>
+            <a:ext cx="9631437" cy="4832092"/>
           </a:xfrm>
           <a:prstGeom prst="rect">
             <a:avLst/>
@@ -5176,7 +5107,7 @@
             </a:r>
           </a:p>
           <a:p>
-            <a:endParaRPr lang="en-US" sz="1200" b="1" dirty="0"/>
+            <a:endParaRPr lang="en-US" sz="200" b="1" dirty="0"/>
           </a:p>
           <a:p>
             <a:r>
@@ -5193,19 +5124,7 @@
               <a:rPr lang="en-US" sz="1600" dirty="0">
                 <a:latin typeface="Courier" pitchFamily="2" charset="0"/>
               </a:rPr>
-              <a:t>Dengue Hemorrhagic Fever: ['world, 'leptospirosis’, 'fever', 'also', 'endemic', 'greater', 'viral', 'flu', </a:t>
-            </a:r>
-            <a:r>
-              <a:rPr lang="en-US" sz="1600" dirty="0" err="1">
-                <a:latin typeface="Courier" pitchFamily="2" charset="0"/>
-              </a:rPr>
-              <a:t>'cause</a:t>
-            </a:r>
-            <a:r>
-              <a:rPr lang="en-US" sz="1600" dirty="0">
-                <a:latin typeface="Courier" pitchFamily="2" charset="0"/>
-              </a:rPr>
-              <a:t>', 'zika', 'especially', 'has’, …]</a:t>
+              <a:t>Dengue Hemorrhagic Fever: ['world, 'leptospirosis’, 'fever', 'also', 'endemic', 'greater', 'viral', 'flu', …]</a:t>
             </a:r>
           </a:p>
           <a:p>
@@ -5217,7 +5136,7 @@
               <a:rPr lang="en-US" sz="1600" dirty="0">
                 <a:latin typeface="Courier" pitchFamily="2" charset="0"/>
               </a:rPr>
-              <a:t>Lung Carcinoma: ['prolongation', 'large', 'degree', 'attention', 'coughing', 'breathing', 'signs', 'fatigue', 'for', 'survival', 'pulmonary', 'weakness', 'metastatic', 'pain', 'poor’, …]</a:t>
+              <a:t>Lung Carcinoma: ['coughing', 'breathing', 'signs', 'fatigue', 'for', 'survival', 'pulmonary', 'weakness', 'metastatic', 'pain', 'poor’, …]</a:t>
             </a:r>
           </a:p>
           <a:p>
@@ -5229,7 +5148,7 @@
               <a:rPr lang="en-US" sz="1600" dirty="0">
                 <a:latin typeface="Courier" pitchFamily="2" charset="0"/>
               </a:rPr>
-              <a:t>Ross River Fever ['influenza', 'illnesses', 'the', 'joint', 'depression', 'chronic', 'if', 'most', 'about', 'frequently', 'flu', 'expected', 'recent', 'report', 'rash', 'years', 'particularly', 'is', 'cold', 'disease', 'patients', 'inflammation', 'arthritis’, …]</a:t>
+              <a:t>Ross River Fever ['influenza', 'illnesses', 'the', 'joint', 'depression', 'most’, 'rash’, disease', 'patients', 'inflammation', 'arthritis’, …]</a:t>
             </a:r>
           </a:p>
           <a:p>
@@ -5250,7 +5169,7 @@
             </a:r>
           </a:p>
           <a:p>
-            <a:endParaRPr lang="en-US" sz="1600" dirty="0">
+            <a:endParaRPr lang="en-US" sz="1000" dirty="0">
               <a:latin typeface="Courier" pitchFamily="2" charset="0"/>
             </a:endParaRPr>
           </a:p>
@@ -5289,78 +5208,6 @@
               </a:rPr>
               <a:t>Ross River Fever: ['quite easily mistaken for more common illnesses like influenza or the common cold’]</a:t>
             </a:r>
-          </a:p>
-          <a:p>
-            <a:pPr marL="285750" indent="-285750">
-              <a:buFont typeface="Arial" panose="020B0604020202020204" pitchFamily="34" charset="0"/>
-              <a:buChar char="•"/>
-            </a:pPr>
-            <a:endParaRPr lang="en-US" sz="1600" dirty="0">
-              <a:latin typeface="Courier" pitchFamily="2" charset="0"/>
-            </a:endParaRPr>
-          </a:p>
-          <a:p>
-            <a:endParaRPr lang="en-US" sz="1200" b="1" dirty="0"/>
-          </a:p>
-          <a:p>
-            <a:r>
-              <a:rPr lang="en-US" sz="2400" b="1" dirty="0"/>
-              <a:t>Bootstrapped Patterns (HOPEFULLY!)</a:t>
-            </a:r>
-          </a:p>
-          <a:p>
-            <a:r>
-              <a:rPr lang="en-US" sz="1600" dirty="0">
-                <a:latin typeface="Courier" pitchFamily="2" charset="0"/>
-              </a:rPr>
-              <a:t>Patterns: ['symptoms include (.*?)\.', 'symptoms are (.*?)\.', 'signs include (.*?)\.’]</a:t>
-            </a:r>
-          </a:p>
-          <a:p>
-            <a:endParaRPr lang="en-US" sz="1600" dirty="0">
-              <a:latin typeface="Courier" pitchFamily="2" charset="0"/>
-            </a:endParaRPr>
-          </a:p>
-          <a:p>
-            <a:pPr marL="285750" indent="-285750">
-              <a:buFont typeface="Arial" panose="020B0604020202020204" pitchFamily="34" charset="0"/>
-              <a:buChar char="•"/>
-            </a:pPr>
-            <a:r>
-              <a:rPr lang="en-US" sz="1600" dirty="0">
-                <a:latin typeface="Courier" pitchFamily="2" charset="0"/>
-              </a:rPr>
-              <a:t>Dengue Hemorrhagic Fever: ['generally mild but include high fever’]</a:t>
-            </a:r>
-          </a:p>
-          <a:p>
-            <a:pPr marL="285750" indent="-285750">
-              <a:buFont typeface="Arial" panose="020B0604020202020204" pitchFamily="34" charset="0"/>
-              <a:buChar char="•"/>
-            </a:pPr>
-            <a:r>
-              <a:rPr lang="en-US" sz="1600" dirty="0">
-                <a:latin typeface="Courier" pitchFamily="2" charset="0"/>
-              </a:rPr>
-              <a:t>Lung Carcinoma: ['coughing including coughing up blood', 'weight loss', 'shortness of breath', 'chest pains’]</a:t>
-            </a:r>
-          </a:p>
-          <a:p>
-            <a:pPr marL="285750" indent="-285750">
-              <a:buFont typeface="Arial" panose="020B0604020202020204" pitchFamily="34" charset="0"/>
-              <a:buChar char="•"/>
-            </a:pPr>
-            <a:r>
-              <a:rPr lang="en-US" sz="1600" dirty="0">
-                <a:latin typeface="Courier" pitchFamily="2" charset="0"/>
-              </a:rPr>
-              <a:t>Ross River Fever: ['quite easily mistaken for more common illnesses like influenza or the common cold']</a:t>
-            </a:r>
-          </a:p>
-          <a:p>
-            <a:endParaRPr lang="en-US" sz="1600" dirty="0">
-              <a:latin typeface="Courier" pitchFamily="2" charset="0"/>
-            </a:endParaRPr>
           </a:p>
         </p:txBody>
       </p:sp>
@@ -5379,14 +5226,14 @@
           <p:nvPr>
             <p:extLst>
               <p:ext uri="{D42A27DB-BD31-4B8C-83A1-F6EECF244321}">
-                <p14:modId xmlns:p14="http://schemas.microsoft.com/office/powerpoint/2010/main" val="1726324375"/>
+                <p14:modId xmlns:p14="http://schemas.microsoft.com/office/powerpoint/2010/main" val="1449577549"/>
               </p:ext>
             </p:extLst>
           </p:nvPr>
         </p:nvGraphicFramePr>
         <p:xfrm>
           <a:off x="20064930" y="5272748"/>
-          <a:ext cx="6682728" cy="1606704"/>
+          <a:ext cx="6682728" cy="1880608"/>
         </p:xfrm>
         <a:graphic>
           <a:graphicData uri="http://schemas.openxmlformats.org/drawingml/2006/table">
@@ -5424,13 +5271,13 @@
                   </a:extLst>
                 </a:gridCol>
               </a:tblGrid>
-              <a:tr h="401676">
+              <a:tr h="470152">
                 <a:tc>
                   <a:txBody>
                     <a:bodyPr/>
                     <a:lstStyle/>
                     <a:p>
-                      <a:endParaRPr lang="en-US" sz="1400" dirty="0"/>
+                      <a:endParaRPr lang="en-US" sz="2000" dirty="0"/>
                     </a:p>
                   </a:txBody>
                   <a:tcPr marL="66138" marR="66138" marT="33069" marB="33069"/>
@@ -5441,7 +5288,7 @@
                     <a:lstStyle/>
                     <a:p>
                       <a:r>
-                        <a:rPr lang="en-US" sz="1400" dirty="0"/>
+                        <a:rPr lang="en-US" sz="2000" dirty="0"/>
                         <a:t>Baseline</a:t>
                       </a:r>
                     </a:p>
@@ -5454,7 +5301,7 @@
                     <a:lstStyle/>
                     <a:p>
                       <a:r>
-                        <a:rPr lang="en-US" sz="1400" dirty="0"/>
+                        <a:rPr lang="en-US" sz="2000" dirty="0"/>
                         <a:t>Hand Built</a:t>
                       </a:r>
                     </a:p>
@@ -5467,7 +5314,7 @@
                     <a:lstStyle/>
                     <a:p>
                       <a:r>
-                        <a:rPr lang="en-US" sz="1400" dirty="0"/>
+                        <a:rPr lang="en-US" sz="2000" dirty="0"/>
                         <a:t>Bootstrap</a:t>
                       </a:r>
                     </a:p>
@@ -5480,14 +5327,14 @@
                   </a:ext>
                 </a:extLst>
               </a:tr>
-              <a:tr h="401676">
+              <a:tr h="470152">
                 <a:tc>
                   <a:txBody>
                     <a:bodyPr/>
                     <a:lstStyle/>
                     <a:p>
                       <a:r>
-                        <a:rPr lang="en-US" sz="1400" dirty="0"/>
+                        <a:rPr lang="en-US" sz="2000" dirty="0"/>
                         <a:t>Precision</a:t>
                       </a:r>
                     </a:p>
@@ -5500,7 +5347,7 @@
                     <a:lstStyle/>
                     <a:p>
                       <a:r>
-                        <a:rPr lang="en-US" sz="1400" dirty="0"/>
+                        <a:rPr lang="en-US" sz="2000" dirty="0"/>
                         <a:t>0.0015</a:t>
                       </a:r>
                     </a:p>
@@ -5513,7 +5360,7 @@
                     <a:lstStyle/>
                     <a:p>
                       <a:r>
-                        <a:rPr lang="en-US" sz="1400" dirty="0"/>
+                        <a:rPr lang="en-US" sz="2000" dirty="0"/>
                         <a:t>0.0394</a:t>
                       </a:r>
                     </a:p>
@@ -5526,8 +5373,8 @@
                     <a:lstStyle/>
                     <a:p>
                       <a:r>
-                        <a:rPr lang="en-US" sz="1400" dirty="0"/>
-                        <a:t>***</a:t>
+                        <a:rPr lang="en-US" sz="2000" dirty="0"/>
+                        <a:t>0.0400</a:t>
                       </a:r>
                     </a:p>
                   </a:txBody>
@@ -5539,14 +5386,14 @@
                   </a:ext>
                 </a:extLst>
               </a:tr>
-              <a:tr h="401676">
+              <a:tr h="470152">
                 <a:tc>
                   <a:txBody>
                     <a:bodyPr/>
                     <a:lstStyle/>
                     <a:p>
                       <a:r>
-                        <a:rPr lang="en-US" sz="1400" dirty="0"/>
+                        <a:rPr lang="en-US" sz="2000" dirty="0"/>
                         <a:t>Recall</a:t>
                       </a:r>
                     </a:p>
@@ -5559,7 +5406,7 @@
                     <a:lstStyle/>
                     <a:p>
                       <a:r>
-                        <a:rPr lang="en-US" sz="1400" dirty="0"/>
+                        <a:rPr lang="en-US" sz="2000" dirty="0"/>
                         <a:t>0.0873</a:t>
                       </a:r>
                     </a:p>
@@ -5572,7 +5419,7 @@
                     <a:lstStyle/>
                     <a:p>
                       <a:r>
-                        <a:rPr lang="en-US" sz="1400" dirty="0"/>
+                        <a:rPr lang="en-US" sz="2000" dirty="0"/>
                         <a:t>0.1264</a:t>
                       </a:r>
                     </a:p>
@@ -5585,8 +5432,8 @@
                     <a:lstStyle/>
                     <a:p>
                       <a:r>
-                        <a:rPr lang="en-US" sz="1400" dirty="0"/>
-                        <a:t>***</a:t>
+                        <a:rPr lang="en-US" sz="2000" dirty="0"/>
+                        <a:t>0.0200</a:t>
                       </a:r>
                     </a:p>
                   </a:txBody>
@@ -5598,14 +5445,14 @@
                   </a:ext>
                 </a:extLst>
               </a:tr>
-              <a:tr h="401676">
+              <a:tr h="470152">
                 <a:tc>
                   <a:txBody>
                     <a:bodyPr/>
                     <a:lstStyle/>
                     <a:p>
                       <a:r>
-                        <a:rPr lang="en-US" sz="1400" dirty="0"/>
+                        <a:rPr lang="en-US" sz="2000" dirty="0"/>
                         <a:t>F1 Score</a:t>
                       </a:r>
                     </a:p>
@@ -5618,8 +5465,8 @@
                     <a:lstStyle/>
                     <a:p>
                       <a:r>
-                        <a:rPr lang="en-US" sz="1400" dirty="0"/>
-                        <a:t>0.003</a:t>
+                        <a:rPr lang="en-US" sz="2000" dirty="0"/>
+                        <a:t>0.0030</a:t>
                       </a:r>
                     </a:p>
                   </a:txBody>
@@ -5631,7 +5478,7 @@
                     <a:lstStyle/>
                     <a:p>
                       <a:r>
-                        <a:rPr lang="en-US" sz="1400" dirty="0"/>
+                        <a:rPr lang="en-US" sz="2000" dirty="0"/>
                         <a:t>0.0601</a:t>
                       </a:r>
                     </a:p>
@@ -5644,8 +5491,8 @@
                     <a:lstStyle/>
                     <a:p>
                       <a:r>
-                        <a:rPr lang="en-US" sz="1400" dirty="0"/>
-                        <a:t>***</a:t>
+                        <a:rPr lang="en-US" sz="2000" dirty="0"/>
+                        <a:t>0.0267</a:t>
                       </a:r>
                     </a:p>
                   </a:txBody>
@@ -5675,8 +5522,8 @@
         </p:nvSpPr>
         <p:spPr>
           <a:xfrm>
-            <a:off x="20042383" y="7430355"/>
-            <a:ext cx="6405512" cy="1015663"/>
+            <a:off x="20042383" y="7614550"/>
+            <a:ext cx="6405512" cy="4339650"/>
           </a:xfrm>
           <a:prstGeom prst="rect">
             <a:avLst/>
@@ -5716,8 +5563,1015 @@
               <a:rPr lang="en-US" sz="1800" dirty="0">
                 <a:latin typeface="Helvetica" pitchFamily="2" charset="0"/>
               </a:rPr>
-              <a:t>Discussion of issues with data, </a:t>
-            </a:r>
+              <a:t>As expected, both the hand built and bootstrapped patterns significantly out performed the baseline.</a:t>
+            </a:r>
+          </a:p>
+          <a:p>
+            <a:pPr marL="342900" indent="-342900" algn="just">
+              <a:buFont typeface="Arial" charset="0"/>
+              <a:buChar char="•"/>
+            </a:pPr>
+            <a:r>
+              <a:rPr lang="en-US" sz="1800" dirty="0">
+                <a:latin typeface="Helvetica" pitchFamily="2" charset="0"/>
+              </a:rPr>
+              <a:t>Our hand built patterns outperformed our bootstrapped method, however, combining the two methods is likely to provide the best results.</a:t>
+            </a:r>
+          </a:p>
+          <a:p>
+            <a:pPr marL="342900" indent="-342900" algn="just">
+              <a:buFont typeface="Arial" charset="0"/>
+              <a:buChar char="•"/>
+            </a:pPr>
+            <a:r>
+              <a:rPr lang="en-US" sz="1800" dirty="0">
+                <a:latin typeface="Helvetica" pitchFamily="2" charset="0"/>
+              </a:rPr>
+              <a:t>More fine tuning is needed to improve our bootstrap methods</a:t>
+            </a:r>
+          </a:p>
+          <a:p>
+            <a:pPr marL="342900" indent="-342900" algn="just">
+              <a:buFont typeface="Arial" charset="0"/>
+              <a:buChar char="•"/>
+            </a:pPr>
+            <a:r>
+              <a:rPr lang="en-US" sz="1800" dirty="0">
+                <a:latin typeface="Helvetica" pitchFamily="2" charset="0"/>
+              </a:rPr>
+              <a:t>The very low evaluations scores are likely due to a  mismatch between Wikipedia and our dataset.</a:t>
+            </a:r>
+          </a:p>
+          <a:p>
+            <a:pPr marL="342900" indent="-342900" algn="just">
+              <a:buFont typeface="Arial" charset="0"/>
+              <a:buChar char="•"/>
+            </a:pPr>
+            <a:r>
+              <a:rPr lang="en-US" sz="1800" dirty="0">
+                <a:latin typeface="Helvetica" pitchFamily="2" charset="0"/>
+              </a:rPr>
+              <a:t>Qualitatively, our hand built and bootstrap models performed significantly better than the scores suggest.</a:t>
+            </a:r>
+          </a:p>
+          <a:p>
+            <a:pPr marL="342900" indent="-342900" algn="just">
+              <a:buFont typeface="Arial" charset="0"/>
+              <a:buChar char="•"/>
+            </a:pPr>
+            <a:r>
+              <a:rPr lang="en-US" sz="1800" dirty="0">
+                <a:latin typeface="Helvetica" pitchFamily="2" charset="0"/>
+              </a:rPr>
+              <a:t>Limited availability of datasets proved to be a limiting factor in both our extractor and classifier.</a:t>
+            </a:r>
+          </a:p>
+          <a:p>
+            <a:pPr marL="342900" indent="-342900" algn="just">
+              <a:buFont typeface="Arial" charset="0"/>
+              <a:buChar char="•"/>
+            </a:pPr>
+            <a:endParaRPr lang="en-US" sz="1800" dirty="0">
+              <a:latin typeface="Helvetica" pitchFamily="2" charset="0"/>
+            </a:endParaRPr>
+          </a:p>
+        </p:txBody>
+      </p:sp>
+      <p:sp>
+        <p:nvSpPr>
+          <p:cNvPr id="20" name="TextBox 19">
+            <a:extLst>
+              <a:ext uri="{FF2B5EF4-FFF2-40B4-BE49-F238E27FC236}">
+                <a16:creationId xmlns:a16="http://schemas.microsoft.com/office/drawing/2014/main" id="{1A43167B-3221-D140-8090-851F5CDBF2F1}"/>
+              </a:ext>
+            </a:extLst>
+          </p:cNvPr>
+          <p:cNvSpPr txBox="1"/>
+          <p:nvPr/>
+        </p:nvSpPr>
+        <p:spPr>
+          <a:xfrm>
+            <a:off x="8891405" y="12322824"/>
+            <a:ext cx="9631437" cy="2923877"/>
+          </a:xfrm>
+          <a:prstGeom prst="rect">
+            <a:avLst/>
+          </a:prstGeom>
+          <a:noFill/>
+        </p:spPr>
+        <p:txBody>
+          <a:bodyPr wrap="square" rtlCol="0">
+            <a:spAutoFit/>
+          </a:bodyPr>
+          <a:lstStyle/>
+          <a:p>
+            <a:r>
+              <a:rPr lang="en-US" sz="2400" b="1" dirty="0"/>
+              <a:t>Bootstrapped Patterns</a:t>
+            </a:r>
+          </a:p>
+          <a:p>
+            <a:r>
+              <a:rPr lang="en-US" sz="1600" dirty="0">
+                <a:latin typeface="Courier" pitchFamily="2" charset="0"/>
+              </a:rPr>
+              <a:t>Learned Patterns: ['constant symptom is (.){0,20} in the’, 'include (.){0,20} (.){0,20} (.){0,20} (.){0,20} which’, 'effects also include (.){0,20} (.){0,20} (.){0,20}’, 'severe burns malnutrition (.){0,20} severe electrolyte']</a:t>
+            </a:r>
+          </a:p>
+          <a:p>
+            <a:endParaRPr lang="en-US" sz="1600" dirty="0">
+              <a:latin typeface="Courier" pitchFamily="2" charset="0"/>
+            </a:endParaRPr>
+          </a:p>
+          <a:p>
+            <a:pPr marL="285750" indent="-285750">
+              <a:buFont typeface="Arial" panose="020B0604020202020204" pitchFamily="34" charset="0"/>
+              <a:buChar char="•"/>
+            </a:pPr>
+            <a:r>
+              <a:rPr lang="en-US" sz="1600" dirty="0">
+                <a:latin typeface="Courier" pitchFamily="2" charset="0"/>
+              </a:rPr>
+              <a:t>'mumps': ['fever', 'pain', 'headache', 'poor’]</a:t>
+            </a:r>
+          </a:p>
+          <a:p>
+            <a:pPr marL="285750" indent="-285750">
+              <a:buFont typeface="Arial" panose="020B0604020202020204" pitchFamily="34" charset="0"/>
+              <a:buChar char="•"/>
+            </a:pPr>
+            <a:r>
+              <a:rPr lang="en-US" sz="1600" dirty="0">
+                <a:latin typeface="Courier" pitchFamily="2" charset="0"/>
+              </a:rPr>
+              <a:t>'</a:t>
+            </a:r>
+            <a:r>
+              <a:rPr lang="en-US" sz="1600" dirty="0" err="1">
+                <a:latin typeface="Courier" pitchFamily="2" charset="0"/>
+              </a:rPr>
+              <a:t>eczema_herpeticum</a:t>
+            </a:r>
+            <a:r>
+              <a:rPr lang="en-US" sz="1600" dirty="0">
+                <a:latin typeface="Courier" pitchFamily="2" charset="0"/>
+              </a:rPr>
+              <a:t>': ['fever’]</a:t>
+            </a:r>
+          </a:p>
+          <a:p>
+            <a:pPr marL="285750" indent="-285750">
+              <a:buFont typeface="Arial" panose="020B0604020202020204" pitchFamily="34" charset="0"/>
+              <a:buChar char="•"/>
+            </a:pPr>
+            <a:r>
+              <a:rPr lang="en-US" sz="1600" dirty="0">
+                <a:latin typeface="Courier" pitchFamily="2" charset="0"/>
+              </a:rPr>
+              <a:t>'</a:t>
+            </a:r>
+            <a:r>
+              <a:rPr lang="en-US" sz="1600" dirty="0" err="1">
+                <a:latin typeface="Courier" pitchFamily="2" charset="0"/>
+              </a:rPr>
+              <a:t>Phlebotomus_fever</a:t>
+            </a:r>
+            <a:r>
+              <a:rPr lang="en-US" sz="1600" dirty="0">
+                <a:latin typeface="Courier" pitchFamily="2" charset="0"/>
+              </a:rPr>
+              <a:t>': ['fever’]</a:t>
+            </a:r>
+          </a:p>
+          <a:p>
+            <a:pPr marL="285750" indent="-285750">
+              <a:buFont typeface="Arial" panose="020B0604020202020204" pitchFamily="34" charset="0"/>
+              <a:buChar char="•"/>
+            </a:pPr>
+            <a:r>
+              <a:rPr lang="en-US" sz="1600" dirty="0">
+                <a:latin typeface="Courier" pitchFamily="2" charset="0"/>
+              </a:rPr>
+              <a:t>'bronchiolitis': ['nebulized', 'epinephrine', 'nasal', 'suctioning', 'Treatments', 'which'],</a:t>
+            </a:r>
+          </a:p>
+        </p:txBody>
+      </p:sp>
+      <p:cxnSp>
+        <p:nvCxnSpPr>
+          <p:cNvPr id="29" name="Straight Arrow Connector 28">
+            <a:extLst>
+              <a:ext uri="{FF2B5EF4-FFF2-40B4-BE49-F238E27FC236}">
+                <a16:creationId xmlns:a16="http://schemas.microsoft.com/office/drawing/2014/main" id="{6FDD85CC-6D53-3946-9687-E715CCE276E1}"/>
+              </a:ext>
+            </a:extLst>
+          </p:cNvPr>
+          <p:cNvCxnSpPr>
+            <a:cxnSpLocks/>
+            <a:stCxn id="77" idx="3"/>
+            <a:endCxn id="78" idx="1"/>
+          </p:cNvCxnSpPr>
+          <p:nvPr/>
+        </p:nvCxnSpPr>
+        <p:spPr>
+          <a:xfrm>
+            <a:off x="10445574" y="10738444"/>
+            <a:ext cx="2127854" cy="0"/>
+          </a:xfrm>
+          <a:prstGeom prst="straightConnector1">
+            <a:avLst/>
+          </a:prstGeom>
+          <a:ln>
+            <a:tailEnd type="triangle"/>
+          </a:ln>
+        </p:spPr>
+        <p:style>
+          <a:lnRef idx="1">
+            <a:schemeClr val="accent1"/>
+          </a:lnRef>
+          <a:fillRef idx="0">
+            <a:schemeClr val="accent1"/>
+          </a:fillRef>
+          <a:effectRef idx="0">
+            <a:schemeClr val="accent1"/>
+          </a:effectRef>
+          <a:fontRef idx="minor">
+            <a:schemeClr val="tx1"/>
+          </a:fontRef>
+        </p:style>
+      </p:cxnSp>
+      <p:cxnSp>
+        <p:nvCxnSpPr>
+          <p:cNvPr id="82" name="Straight Arrow Connector 81">
+            <a:extLst>
+              <a:ext uri="{FF2B5EF4-FFF2-40B4-BE49-F238E27FC236}">
+                <a16:creationId xmlns:a16="http://schemas.microsoft.com/office/drawing/2014/main" id="{2ABF1A8E-5D77-2047-8593-55B6012D59E4}"/>
+              </a:ext>
+            </a:extLst>
+          </p:cNvPr>
+          <p:cNvCxnSpPr>
+            <a:cxnSpLocks/>
+            <a:stCxn id="25" idx="2"/>
+            <a:endCxn id="78" idx="0"/>
+          </p:cNvCxnSpPr>
+          <p:nvPr/>
+        </p:nvCxnSpPr>
+        <p:spPr>
+          <a:xfrm>
+            <a:off x="13561077" y="9924283"/>
+            <a:ext cx="0" cy="397122"/>
+          </a:xfrm>
+          <a:prstGeom prst="straightConnector1">
+            <a:avLst/>
+          </a:prstGeom>
+          <a:ln>
+            <a:tailEnd type="triangle"/>
+          </a:ln>
+        </p:spPr>
+        <p:style>
+          <a:lnRef idx="1">
+            <a:schemeClr val="accent1"/>
+          </a:lnRef>
+          <a:fillRef idx="0">
+            <a:schemeClr val="accent1"/>
+          </a:fillRef>
+          <a:effectRef idx="0">
+            <a:schemeClr val="accent1"/>
+          </a:effectRef>
+          <a:fontRef idx="minor">
+            <a:schemeClr val="tx1"/>
+          </a:fontRef>
+        </p:style>
+      </p:cxnSp>
+      <p:cxnSp>
+        <p:nvCxnSpPr>
+          <p:cNvPr id="90" name="Straight Arrow Connector 89">
+            <a:extLst>
+              <a:ext uri="{FF2B5EF4-FFF2-40B4-BE49-F238E27FC236}">
+                <a16:creationId xmlns:a16="http://schemas.microsoft.com/office/drawing/2014/main" id="{5471946C-C17D-4D4A-9C91-1F71538FCC57}"/>
+              </a:ext>
+            </a:extLst>
+          </p:cNvPr>
+          <p:cNvCxnSpPr>
+            <a:cxnSpLocks/>
+            <a:stCxn id="136" idx="0"/>
+            <a:endCxn id="78" idx="2"/>
+          </p:cNvCxnSpPr>
+          <p:nvPr/>
+        </p:nvCxnSpPr>
+        <p:spPr>
+          <a:xfrm flipV="1">
+            <a:off x="11382227" y="11155482"/>
+            <a:ext cx="2178850" cy="222858"/>
+          </a:xfrm>
+          <a:prstGeom prst="straightConnector1">
+            <a:avLst/>
+          </a:prstGeom>
+          <a:ln>
+            <a:tailEnd type="triangle"/>
+          </a:ln>
+        </p:spPr>
+        <p:style>
+          <a:lnRef idx="1">
+            <a:schemeClr val="accent1"/>
+          </a:lnRef>
+          <a:fillRef idx="0">
+            <a:schemeClr val="accent1"/>
+          </a:fillRef>
+          <a:effectRef idx="0">
+            <a:schemeClr val="accent1"/>
+          </a:effectRef>
+          <a:fontRef idx="minor">
+            <a:schemeClr val="tx1"/>
+          </a:fontRef>
+        </p:style>
+      </p:cxnSp>
+      <p:cxnSp>
+        <p:nvCxnSpPr>
+          <p:cNvPr id="91" name="Straight Arrow Connector 90">
+            <a:extLst>
+              <a:ext uri="{FF2B5EF4-FFF2-40B4-BE49-F238E27FC236}">
+                <a16:creationId xmlns:a16="http://schemas.microsoft.com/office/drawing/2014/main" id="{F36AEC5D-A93A-B245-A280-B4BBF9550158}"/>
+              </a:ext>
+            </a:extLst>
+          </p:cNvPr>
+          <p:cNvCxnSpPr>
+            <a:cxnSpLocks/>
+            <a:stCxn id="78" idx="2"/>
+            <a:endCxn id="79" idx="0"/>
+          </p:cNvCxnSpPr>
+          <p:nvPr/>
+        </p:nvCxnSpPr>
+        <p:spPr>
+          <a:xfrm>
+            <a:off x="13561077" y="11155482"/>
+            <a:ext cx="2178850" cy="222858"/>
+          </a:xfrm>
+          <a:prstGeom prst="straightConnector1">
+            <a:avLst/>
+          </a:prstGeom>
+          <a:ln>
+            <a:tailEnd type="triangle"/>
+          </a:ln>
+        </p:spPr>
+        <p:style>
+          <a:lnRef idx="1">
+            <a:schemeClr val="accent1"/>
+          </a:lnRef>
+          <a:fillRef idx="0">
+            <a:schemeClr val="accent1"/>
+          </a:fillRef>
+          <a:effectRef idx="0">
+            <a:schemeClr val="accent1"/>
+          </a:effectRef>
+          <a:fontRef idx="minor">
+            <a:schemeClr val="tx1"/>
+          </a:fontRef>
+        </p:style>
+      </p:cxnSp>
+      <p:cxnSp>
+        <p:nvCxnSpPr>
+          <p:cNvPr id="92" name="Straight Arrow Connector 91">
+            <a:extLst>
+              <a:ext uri="{FF2B5EF4-FFF2-40B4-BE49-F238E27FC236}">
+                <a16:creationId xmlns:a16="http://schemas.microsoft.com/office/drawing/2014/main" id="{52B707EC-F92A-AA4D-B40D-F2D326A1AB4D}"/>
+              </a:ext>
+            </a:extLst>
+          </p:cNvPr>
+          <p:cNvCxnSpPr>
+            <a:cxnSpLocks/>
+            <a:stCxn id="78" idx="3"/>
+            <a:endCxn id="81" idx="1"/>
+          </p:cNvCxnSpPr>
+          <p:nvPr/>
+        </p:nvCxnSpPr>
+        <p:spPr>
+          <a:xfrm flipV="1">
+            <a:off x="14548725" y="10732523"/>
+            <a:ext cx="2127854" cy="5921"/>
+          </a:xfrm>
+          <a:prstGeom prst="straightConnector1">
+            <a:avLst/>
+          </a:prstGeom>
+          <a:ln>
+            <a:tailEnd type="triangle"/>
+          </a:ln>
+        </p:spPr>
+        <p:style>
+          <a:lnRef idx="1">
+            <a:schemeClr val="accent1"/>
+          </a:lnRef>
+          <a:fillRef idx="0">
+            <a:schemeClr val="accent1"/>
+          </a:fillRef>
+          <a:effectRef idx="0">
+            <a:schemeClr val="accent1"/>
+          </a:effectRef>
+          <a:fontRef idx="minor">
+            <a:schemeClr val="tx1"/>
+          </a:fontRef>
+        </p:style>
+      </p:cxnSp>
+      <p:cxnSp>
+        <p:nvCxnSpPr>
+          <p:cNvPr id="97" name="Straight Arrow Connector 96">
+            <a:extLst>
+              <a:ext uri="{FF2B5EF4-FFF2-40B4-BE49-F238E27FC236}">
+                <a16:creationId xmlns:a16="http://schemas.microsoft.com/office/drawing/2014/main" id="{4CBA8531-208D-A941-930F-C18404408AFC}"/>
+              </a:ext>
+            </a:extLst>
+          </p:cNvPr>
+          <p:cNvCxnSpPr>
+            <a:cxnSpLocks/>
+            <a:stCxn id="79" idx="1"/>
+            <a:endCxn id="136" idx="3"/>
+          </p:cNvCxnSpPr>
+          <p:nvPr/>
+        </p:nvCxnSpPr>
+        <p:spPr>
+          <a:xfrm flipH="1">
+            <a:off x="12222115" y="11732986"/>
+            <a:ext cx="2677924" cy="0"/>
+          </a:xfrm>
+          <a:prstGeom prst="straightConnector1">
+            <a:avLst/>
+          </a:prstGeom>
+          <a:ln>
+            <a:tailEnd type="triangle"/>
+          </a:ln>
+        </p:spPr>
+        <p:style>
+          <a:lnRef idx="1">
+            <a:schemeClr val="accent1"/>
+          </a:lnRef>
+          <a:fillRef idx="0">
+            <a:schemeClr val="accent1"/>
+          </a:fillRef>
+          <a:effectRef idx="0">
+            <a:schemeClr val="accent1"/>
+          </a:effectRef>
+          <a:fontRef idx="minor">
+            <a:schemeClr val="tx1"/>
+          </a:fontRef>
+        </p:style>
+      </p:cxnSp>
+      <p:grpSp>
+        <p:nvGrpSpPr>
+          <p:cNvPr id="142" name="Group 141">
+            <a:extLst>
+              <a:ext uri="{FF2B5EF4-FFF2-40B4-BE49-F238E27FC236}">
+                <a16:creationId xmlns:a16="http://schemas.microsoft.com/office/drawing/2014/main" id="{126AA55C-DAB4-734A-971E-529F318A49D1}"/>
+              </a:ext>
+            </a:extLst>
+          </p:cNvPr>
+          <p:cNvGrpSpPr/>
+          <p:nvPr/>
+        </p:nvGrpSpPr>
+        <p:grpSpPr>
+          <a:xfrm>
+            <a:off x="9340213" y="9513226"/>
+            <a:ext cx="8602091" cy="2574406"/>
+            <a:chOff x="9316221" y="9606343"/>
+            <a:chExt cx="8602091" cy="1957010"/>
+          </a:xfrm>
+        </p:grpSpPr>
+        <p:sp>
+          <p:nvSpPr>
+            <p:cNvPr id="25" name="Rounded Rectangle 24">
+              <a:extLst>
+                <a:ext uri="{FF2B5EF4-FFF2-40B4-BE49-F238E27FC236}">
+                  <a16:creationId xmlns:a16="http://schemas.microsoft.com/office/drawing/2014/main" id="{F2525DA1-10A7-F245-B4FD-614B37A858CD}"/>
+                </a:ext>
+              </a:extLst>
+            </p:cNvPr>
+            <p:cNvSpPr/>
+            <p:nvPr/>
+          </p:nvSpPr>
+          <p:spPr>
+            <a:xfrm>
+              <a:off x="12198123" y="9606343"/>
+              <a:ext cx="2677924" cy="312477"/>
+            </a:xfrm>
+            <a:prstGeom prst="roundRect">
+              <a:avLst/>
+            </a:prstGeom>
+            <a:solidFill>
+              <a:schemeClr val="accent2">
+                <a:lumMod val="50000"/>
+              </a:schemeClr>
+            </a:solidFill>
+            <a:ln>
+              <a:solidFill>
+                <a:srgbClr val="C00000"/>
+              </a:solidFill>
+            </a:ln>
+          </p:spPr>
+          <p:style>
+            <a:lnRef idx="2">
+              <a:schemeClr val="accent1">
+                <a:shade val="50000"/>
+              </a:schemeClr>
+            </a:lnRef>
+            <a:fillRef idx="1">
+              <a:schemeClr val="accent1"/>
+            </a:fillRef>
+            <a:effectRef idx="0">
+              <a:schemeClr val="accent1"/>
+            </a:effectRef>
+            <a:fontRef idx="minor">
+              <a:schemeClr val="lt1"/>
+            </a:fontRef>
+          </p:style>
+          <p:txBody>
+            <a:bodyPr rtlCol="0" anchor="ctr"/>
+            <a:lstStyle/>
+            <a:p>
+              <a:pPr algn="ctr"/>
+              <a:r>
+                <a:rPr lang="en-US" sz="2000" dirty="0"/>
+                <a:t>Seed Patterns</a:t>
+              </a:r>
+            </a:p>
+          </p:txBody>
+        </p:sp>
+        <p:sp>
+          <p:nvSpPr>
+            <p:cNvPr id="77" name="Rounded Rectangle 76">
+              <a:extLst>
+                <a:ext uri="{FF2B5EF4-FFF2-40B4-BE49-F238E27FC236}">
+                  <a16:creationId xmlns:a16="http://schemas.microsoft.com/office/drawing/2014/main" id="{1720F1F3-1412-3A4C-A6D5-4E8571467DF8}"/>
+                </a:ext>
+              </a:extLst>
+            </p:cNvPr>
+            <p:cNvSpPr/>
+            <p:nvPr/>
+          </p:nvSpPr>
+          <p:spPr>
+            <a:xfrm>
+              <a:off x="9316221" y="10339087"/>
+              <a:ext cx="1105361" cy="397281"/>
+            </a:xfrm>
+            <a:prstGeom prst="roundRect">
+              <a:avLst/>
+            </a:prstGeom>
+            <a:solidFill>
+              <a:schemeClr val="accent2">
+                <a:lumMod val="50000"/>
+              </a:schemeClr>
+            </a:solidFill>
+            <a:ln>
+              <a:solidFill>
+                <a:srgbClr val="C00000"/>
+              </a:solidFill>
+            </a:ln>
+          </p:spPr>
+          <p:style>
+            <a:lnRef idx="2">
+              <a:schemeClr val="accent1">
+                <a:shade val="50000"/>
+              </a:schemeClr>
+            </a:lnRef>
+            <a:fillRef idx="1">
+              <a:schemeClr val="accent1"/>
+            </a:fillRef>
+            <a:effectRef idx="0">
+              <a:schemeClr val="accent1"/>
+            </a:effectRef>
+            <a:fontRef idx="minor">
+              <a:schemeClr val="lt1"/>
+            </a:fontRef>
+          </p:style>
+          <p:txBody>
+            <a:bodyPr rtlCol="0" anchor="ctr"/>
+            <a:lstStyle/>
+            <a:p>
+              <a:pPr algn="ctr"/>
+              <a:r>
+                <a:rPr lang="en-US" sz="2000" dirty="0"/>
+                <a:t>Text</a:t>
+              </a:r>
+            </a:p>
+          </p:txBody>
+        </p:sp>
+        <p:sp>
+          <p:nvSpPr>
+            <p:cNvPr id="78" name="Rounded Rectangle 77">
+              <a:extLst>
+                <a:ext uri="{FF2B5EF4-FFF2-40B4-BE49-F238E27FC236}">
+                  <a16:creationId xmlns:a16="http://schemas.microsoft.com/office/drawing/2014/main" id="{9A4AA9DD-3830-204D-8039-A21B7F6E7D6B}"/>
+                </a:ext>
+              </a:extLst>
+            </p:cNvPr>
+            <p:cNvSpPr/>
+            <p:nvPr/>
+          </p:nvSpPr>
+          <p:spPr>
+            <a:xfrm>
+              <a:off x="12549436" y="10220704"/>
+              <a:ext cx="1975297" cy="634048"/>
+            </a:xfrm>
+            <a:prstGeom prst="roundRect">
+              <a:avLst/>
+            </a:prstGeom>
+            <a:solidFill>
+              <a:schemeClr val="accent2">
+                <a:lumMod val="50000"/>
+              </a:schemeClr>
+            </a:solidFill>
+            <a:ln>
+              <a:solidFill>
+                <a:srgbClr val="C00000"/>
+              </a:solidFill>
+            </a:ln>
+          </p:spPr>
+          <p:style>
+            <a:lnRef idx="2">
+              <a:schemeClr val="accent1">
+                <a:shade val="50000"/>
+              </a:schemeClr>
+            </a:lnRef>
+            <a:fillRef idx="1">
+              <a:schemeClr val="accent1"/>
+            </a:fillRef>
+            <a:effectRef idx="0">
+              <a:schemeClr val="accent1"/>
+            </a:effectRef>
+            <a:fontRef idx="minor">
+              <a:schemeClr val="lt1"/>
+            </a:fontRef>
+          </p:style>
+          <p:txBody>
+            <a:bodyPr rtlCol="0" anchor="ctr"/>
+            <a:lstStyle/>
+            <a:p>
+              <a:pPr algn="ctr"/>
+              <a:r>
+                <a:rPr lang="en-US" sz="2000" dirty="0"/>
+                <a:t>Entity Extractor</a:t>
+              </a:r>
+            </a:p>
+          </p:txBody>
+        </p:sp>
+        <p:sp>
+          <p:nvSpPr>
+            <p:cNvPr id="79" name="Rounded Rectangle 78">
+              <a:extLst>
+                <a:ext uri="{FF2B5EF4-FFF2-40B4-BE49-F238E27FC236}">
+                  <a16:creationId xmlns:a16="http://schemas.microsoft.com/office/drawing/2014/main" id="{82D7CF30-8AA1-0D4E-8566-F8A74A4A90E3}"/>
+                </a:ext>
+              </a:extLst>
+            </p:cNvPr>
+            <p:cNvSpPr/>
+            <p:nvPr/>
+          </p:nvSpPr>
+          <p:spPr>
+            <a:xfrm>
+              <a:off x="14876047" y="11024164"/>
+              <a:ext cx="1679776" cy="539189"/>
+            </a:xfrm>
+            <a:prstGeom prst="roundRect">
+              <a:avLst/>
+            </a:prstGeom>
+            <a:solidFill>
+              <a:schemeClr val="accent2">
+                <a:lumMod val="50000"/>
+              </a:schemeClr>
+            </a:solidFill>
+            <a:ln>
+              <a:solidFill>
+                <a:srgbClr val="C00000"/>
+              </a:solidFill>
+            </a:ln>
+          </p:spPr>
+          <p:style>
+            <a:lnRef idx="2">
+              <a:schemeClr val="accent1">
+                <a:shade val="50000"/>
+              </a:schemeClr>
+            </a:lnRef>
+            <a:fillRef idx="1">
+              <a:schemeClr val="accent1"/>
+            </a:fillRef>
+            <a:effectRef idx="0">
+              <a:schemeClr val="accent1"/>
+            </a:effectRef>
+            <a:fontRef idx="minor">
+              <a:schemeClr val="lt1"/>
+            </a:fontRef>
+          </p:style>
+          <p:txBody>
+            <a:bodyPr rtlCol="0" anchor="ctr"/>
+            <a:lstStyle/>
+            <a:p>
+              <a:pPr algn="ctr"/>
+              <a:r>
+                <a:rPr lang="en-US" sz="2000" dirty="0"/>
+                <a:t>Pattern Extractor</a:t>
+              </a:r>
+            </a:p>
+          </p:txBody>
+        </p:sp>
+        <p:sp>
+          <p:nvSpPr>
+            <p:cNvPr id="81" name="Rounded Rectangle 80">
+              <a:extLst>
+                <a:ext uri="{FF2B5EF4-FFF2-40B4-BE49-F238E27FC236}">
+                  <a16:creationId xmlns:a16="http://schemas.microsoft.com/office/drawing/2014/main" id="{399AE279-F962-0140-859B-BB7D63F28398}"/>
+                </a:ext>
+              </a:extLst>
+            </p:cNvPr>
+            <p:cNvSpPr/>
+            <p:nvPr/>
+          </p:nvSpPr>
+          <p:spPr>
+            <a:xfrm>
+              <a:off x="16652587" y="10330085"/>
+              <a:ext cx="1265725" cy="406283"/>
+            </a:xfrm>
+            <a:prstGeom prst="roundRect">
+              <a:avLst/>
+            </a:prstGeom>
+            <a:solidFill>
+              <a:schemeClr val="accent2">
+                <a:lumMod val="50000"/>
+              </a:schemeClr>
+            </a:solidFill>
+            <a:ln>
+              <a:solidFill>
+                <a:srgbClr val="C00000"/>
+              </a:solidFill>
+            </a:ln>
+          </p:spPr>
+          <p:style>
+            <a:lnRef idx="2">
+              <a:schemeClr val="accent1">
+                <a:shade val="50000"/>
+              </a:schemeClr>
+            </a:lnRef>
+            <a:fillRef idx="1">
+              <a:schemeClr val="accent1"/>
+            </a:fillRef>
+            <a:effectRef idx="0">
+              <a:schemeClr val="accent1"/>
+            </a:effectRef>
+            <a:fontRef idx="minor">
+              <a:schemeClr val="lt1"/>
+            </a:fontRef>
+          </p:style>
+          <p:txBody>
+            <a:bodyPr rtlCol="0" anchor="ctr"/>
+            <a:lstStyle/>
+            <a:p>
+              <a:pPr algn="ctr"/>
+              <a:r>
+                <a:rPr lang="en-US" sz="2000" dirty="0"/>
+                <a:t>File</a:t>
+              </a:r>
+            </a:p>
+          </p:txBody>
+        </p:sp>
+        <p:sp>
+          <p:nvSpPr>
+            <p:cNvPr id="136" name="Rounded Rectangle 135">
+              <a:extLst>
+                <a:ext uri="{FF2B5EF4-FFF2-40B4-BE49-F238E27FC236}">
+                  <a16:creationId xmlns:a16="http://schemas.microsoft.com/office/drawing/2014/main" id="{E955A6C8-9CF9-1F4C-9ED9-AD993D3F5E80}"/>
+                </a:ext>
+              </a:extLst>
+            </p:cNvPr>
+            <p:cNvSpPr/>
+            <p:nvPr/>
+          </p:nvSpPr>
+          <p:spPr>
+            <a:xfrm>
+              <a:off x="10518347" y="11024164"/>
+              <a:ext cx="1679776" cy="539189"/>
+            </a:xfrm>
+            <a:prstGeom prst="roundRect">
+              <a:avLst/>
+            </a:prstGeom>
+            <a:solidFill>
+              <a:schemeClr val="accent2">
+                <a:lumMod val="50000"/>
+              </a:schemeClr>
+            </a:solidFill>
+            <a:ln>
+              <a:solidFill>
+                <a:srgbClr val="C00000"/>
+              </a:solidFill>
+            </a:ln>
+          </p:spPr>
+          <p:style>
+            <a:lnRef idx="2">
+              <a:schemeClr val="accent1">
+                <a:shade val="50000"/>
+              </a:schemeClr>
+            </a:lnRef>
+            <a:fillRef idx="1">
+              <a:schemeClr val="accent1"/>
+            </a:fillRef>
+            <a:effectRef idx="0">
+              <a:schemeClr val="accent1"/>
+            </a:effectRef>
+            <a:fontRef idx="minor">
+              <a:schemeClr val="lt1"/>
+            </a:fontRef>
+          </p:style>
+          <p:txBody>
+            <a:bodyPr rtlCol="0" anchor="ctr"/>
+            <a:lstStyle/>
+            <a:p>
+              <a:pPr algn="ctr"/>
+              <a:r>
+                <a:rPr lang="en-US" sz="2000" dirty="0"/>
+                <a:t>Pattern Scorer</a:t>
+              </a:r>
+            </a:p>
+          </p:txBody>
+        </p:sp>
+      </p:grpSp>
+      <p:sp>
+        <p:nvSpPr>
+          <p:cNvPr id="206" name="TextBox 205">
+            <a:extLst>
+              <a:ext uri="{FF2B5EF4-FFF2-40B4-BE49-F238E27FC236}">
+                <a16:creationId xmlns:a16="http://schemas.microsoft.com/office/drawing/2014/main" id="{19F58AA9-0DCF-4049-991C-14D79E6EC4C7}"/>
+              </a:ext>
+            </a:extLst>
+          </p:cNvPr>
+          <p:cNvSpPr txBox="1"/>
+          <p:nvPr/>
+        </p:nvSpPr>
+        <p:spPr>
+          <a:xfrm>
+            <a:off x="8891405" y="15481893"/>
+            <a:ext cx="9631437" cy="1538883"/>
+          </a:xfrm>
+          <a:prstGeom prst="rect">
+            <a:avLst/>
+          </a:prstGeom>
+          <a:noFill/>
+        </p:spPr>
+        <p:txBody>
+          <a:bodyPr wrap="square" rtlCol="0">
+            <a:spAutoFit/>
+          </a:bodyPr>
+          <a:lstStyle/>
+          <a:p>
+            <a:r>
+              <a:rPr lang="en-US" sz="2800" b="1" dirty="0"/>
+              <a:t>Classifier</a:t>
+            </a:r>
+          </a:p>
+          <a:p>
+            <a:endParaRPr lang="en-US" sz="200" b="1" dirty="0"/>
+          </a:p>
+          <a:p>
+            <a:r>
+              <a:rPr lang="en-US" sz="1600" dirty="0">
+                <a:latin typeface="Courier" pitchFamily="2" charset="0"/>
+              </a:rPr>
+              <a:t>Dr. Gogol: What are your symptoms?</a:t>
+            </a:r>
+          </a:p>
+          <a:p>
+            <a:r>
+              <a:rPr lang="en-US" sz="1600" dirty="0">
+                <a:latin typeface="Courier" pitchFamily="2" charset="0"/>
+              </a:rPr>
+              <a:t>Patient: fever, headache, vomiting</a:t>
+            </a:r>
+          </a:p>
+          <a:p>
+            <a:r>
+              <a:rPr lang="en-US" sz="1600" dirty="0">
+                <a:latin typeface="Courier" pitchFamily="2" charset="0"/>
+              </a:rPr>
+              <a:t>Dr. Gogol: It sounds like you have human granulocytic anaplasmosis</a:t>
+            </a:r>
+          </a:p>
+          <a:p>
+            <a:endParaRPr lang="en-US" sz="1600" dirty="0">
+              <a:latin typeface="Courier" pitchFamily="2" charset="0"/>
+            </a:endParaRPr>
+          </a:p>
+        </p:txBody>
+      </p:sp>
+      <p:sp>
+        <p:nvSpPr>
+          <p:cNvPr id="208" name="TextBox 207">
+            <a:extLst>
+              <a:ext uri="{FF2B5EF4-FFF2-40B4-BE49-F238E27FC236}">
+                <a16:creationId xmlns:a16="http://schemas.microsoft.com/office/drawing/2014/main" id="{6B3AA2FD-268F-D041-8CB0-C67D52F8AC51}"/>
+              </a:ext>
+            </a:extLst>
+          </p:cNvPr>
+          <p:cNvSpPr txBox="1"/>
+          <p:nvPr/>
+        </p:nvSpPr>
+        <p:spPr>
+          <a:xfrm>
+            <a:off x="20042383" y="11973240"/>
+            <a:ext cx="6405512" cy="3508653"/>
+          </a:xfrm>
+          <a:prstGeom prst="rect">
+            <a:avLst/>
+          </a:prstGeom>
+          <a:noFill/>
+        </p:spPr>
+        <p:txBody>
+          <a:bodyPr wrap="square" rtlCol="0">
+            <a:spAutoFit/>
+          </a:bodyPr>
+          <a:lstStyle/>
+          <a:p>
+            <a:pPr algn="just"/>
+            <a:r>
+              <a:rPr lang="en-US" sz="2400" b="1" dirty="0">
+                <a:solidFill>
+                  <a:schemeClr val="tx1"/>
+                </a:solidFill>
+                <a:latin typeface="Helvetica" pitchFamily="2" charset="0"/>
+                <a:ea typeface="Helvetica" charset="0"/>
+                <a:cs typeface="Helvetica" charset="0"/>
+              </a:rPr>
+              <a:t>Moving Forward</a:t>
+            </a:r>
+          </a:p>
+          <a:p>
+            <a:pPr marL="342900" indent="-342900" algn="just">
+              <a:buFont typeface="Arial" charset="0"/>
+              <a:buChar char="•"/>
+            </a:pPr>
+            <a:r>
+              <a:rPr lang="en-US" sz="1800" dirty="0">
+                <a:latin typeface="Helvetica" pitchFamily="2" charset="0"/>
+              </a:rPr>
+              <a:t>Word embedding techniques such as TF-IDF weighting or </a:t>
+            </a:r>
+            <a:r>
+              <a:rPr lang="en-US" sz="1800" dirty="0" err="1">
+                <a:latin typeface="Helvetica" pitchFamily="2" charset="0"/>
+              </a:rPr>
+              <a:t>GloVe</a:t>
+            </a:r>
+            <a:r>
+              <a:rPr lang="en-US" sz="1800" dirty="0">
+                <a:latin typeface="Helvetica" pitchFamily="2" charset="0"/>
+              </a:rPr>
+              <a:t> embedding could be explored for use in more complex deep learning models</a:t>
+            </a:r>
+          </a:p>
+          <a:p>
+            <a:pPr marL="342900" indent="-342900" algn="just">
+              <a:buFont typeface="Arial" charset="0"/>
+              <a:buChar char="•"/>
+            </a:pPr>
+            <a:r>
+              <a:rPr lang="en-US" sz="1800" dirty="0">
+                <a:latin typeface="Helvetica" pitchFamily="2" charset="0"/>
+              </a:rPr>
+              <a:t>Part of speech tagging could also be beneficial</a:t>
+            </a:r>
+          </a:p>
+          <a:p>
+            <a:pPr marL="342900" indent="-342900" algn="just">
+              <a:buFont typeface="Arial" charset="0"/>
+              <a:buChar char="•"/>
+            </a:pPr>
+            <a:r>
+              <a:rPr lang="en-US" sz="1800" dirty="0">
+                <a:latin typeface="Helvetica" pitchFamily="2" charset="0"/>
+              </a:rPr>
+              <a:t>Additional models could be explored such as sequence based model</a:t>
+            </a:r>
+          </a:p>
+          <a:p>
+            <a:pPr marL="342900" indent="-342900" algn="just">
+              <a:buFont typeface="Arial" charset="0"/>
+              <a:buChar char="•"/>
+            </a:pPr>
+            <a:r>
+              <a:rPr lang="en-US" sz="1800" dirty="0">
+                <a:latin typeface="Helvetica" pitchFamily="2" charset="0"/>
+              </a:rPr>
+              <a:t>Improved availability of datasets could significantly improve development in this space</a:t>
+            </a:r>
+          </a:p>
+          <a:p>
+            <a:pPr algn="just"/>
+            <a:endParaRPr lang="en-US" sz="1800" dirty="0">
+              <a:latin typeface="Helvetica" pitchFamily="2" charset="0"/>
+            </a:endParaRPr>
+          </a:p>
+          <a:p>
+            <a:pPr marL="342900" indent="-342900" algn="just">
+              <a:buFont typeface="Arial" charset="0"/>
+              <a:buChar char="•"/>
+            </a:pPr>
+            <a:endParaRPr lang="en-US" sz="1800" dirty="0">
+              <a:latin typeface="Helvetica" pitchFamily="2" charset="0"/>
+            </a:endParaRPr>
           </a:p>
           <a:p>
             <a:pPr marL="342900" indent="-342900" algn="just">
